--- a/lectures/12_SML_predicting-data-streams/12_2_Ensemble_Classification.pptx
+++ b/lectures/12_SML_predicting-data-streams/12_2_Ensemble_Classification.pptx
@@ -613,7 +613,7 @@
           <a:p>
             <a:fld id="{CC7A41CC-C61C-2F43-A643-7ED1F9C31B07}" type="datetimeFigureOut">
               <a:rPr lang="it-IT" smtClean="0"/>
-              <a:t>02/11/23</a:t>
+              <a:t>21/11/23</a:t>
             </a:fld>
             <a:endParaRPr lang="it-IT" dirty="0"/>
           </a:p>
@@ -14635,7 +14635,7 @@
         <p:spPr>
           <a:xfrm>
             <a:off x="950555" y="1690688"/>
-            <a:ext cx="10403244" cy="2877711"/>
+            <a:ext cx="10403244" cy="4116512"/>
           </a:xfrm>
           <a:prstGeom prst="rect">
             <a:avLst/>
@@ -14695,7 +14695,19 @@
               <a:rPr lang="en-GB" sz="2600" spc="-5" dirty="0">
                 <a:cs typeface="Calibri"/>
               </a:rPr>
-              <a:t>: Leveraging Bagging + Local Random Subspaces</a:t>
+              <a:t>: Leveraging Bagging + </a:t>
+            </a:r>
+            <a:r>
+              <a:rPr lang="en-GB" sz="2600" b="1" spc="-5" dirty="0">
+                <a:cs typeface="Calibri"/>
+              </a:rPr>
+              <a:t>Local</a:t>
+            </a:r>
+            <a:r>
+              <a:rPr lang="en-GB" sz="2600" spc="-5" dirty="0">
+                <a:cs typeface="Calibri"/>
+              </a:rPr>
+              <a:t> Random Subspaces</a:t>
             </a:r>
           </a:p>
           <a:p>
@@ -14745,6 +14757,26 @@
             </a:r>
           </a:p>
           <a:p>
+            <a:pPr marL="469900" indent="-457200">
+              <a:spcBef>
+                <a:spcPts val="100"/>
+              </a:spcBef>
+              <a:buSzPct val="75000"/>
+              <a:buFont typeface="Arial" panose="020B0604020202020204" pitchFamily="34" charset="0"/>
+              <a:buChar char="•"/>
+              <a:tabLst>
+                <a:tab pos="354965" algn="l"/>
+                <a:tab pos="355600" algn="l"/>
+              </a:tabLst>
+            </a:pPr>
+            <a:r>
+              <a:rPr lang="en-GB" sz="2600" b="1" spc="-5" dirty="0">
+                <a:cs typeface="Calibri"/>
+              </a:rPr>
+              <a:t>Voting:</a:t>
+            </a:r>
+          </a:p>
+          <a:p>
             <a:pPr marL="927100" lvl="1" indent="-457200">
               <a:spcBef>
                 <a:spcPts val="100"/>
@@ -14761,7 +14793,47 @@
               <a:rPr lang="en-GB" sz="2600" spc="-5" dirty="0">
                 <a:cs typeface="Calibri"/>
               </a:rPr>
-              <a:t>Weighted majority voting</a:t>
+              <a:t>Majority voting</a:t>
+            </a:r>
+          </a:p>
+          <a:p>
+            <a:pPr marL="927100" lvl="1" indent="-457200">
+              <a:spcBef>
+                <a:spcPts val="100"/>
+              </a:spcBef>
+              <a:buSzPct val="75000"/>
+              <a:buFont typeface="Wingdings" pitchFamily="2" charset="2"/>
+              <a:buChar char="Ø"/>
+              <a:tabLst>
+                <a:tab pos="354965" algn="l"/>
+                <a:tab pos="355600" algn="l"/>
+              </a:tabLst>
+            </a:pPr>
+            <a:r>
+              <a:rPr lang="en-GB" sz="2600" spc="-5" dirty="0">
+                <a:cs typeface="Calibri"/>
+              </a:rPr>
+              <a:t>Naïve Bayes</a:t>
+            </a:r>
+          </a:p>
+          <a:p>
+            <a:pPr marL="927100" lvl="1" indent="-457200">
+              <a:spcBef>
+                <a:spcPts val="100"/>
+              </a:spcBef>
+              <a:buSzPct val="75000"/>
+              <a:buFont typeface="Wingdings" pitchFamily="2" charset="2"/>
+              <a:buChar char="Ø"/>
+              <a:tabLst>
+                <a:tab pos="354965" algn="l"/>
+                <a:tab pos="355600" algn="l"/>
+              </a:tabLst>
+            </a:pPr>
+            <a:r>
+              <a:rPr lang="en-GB" sz="2600" spc="-5" dirty="0">
+                <a:cs typeface="Calibri"/>
+              </a:rPr>
+              <a:t>Naïve Bayes Adaptive</a:t>
             </a:r>
           </a:p>
           <a:p>
@@ -15134,7 +15206,7 @@
         <p:spPr>
           <a:xfrm>
             <a:off x="950555" y="1690688"/>
-            <a:ext cx="10403244" cy="2477601"/>
+            <a:ext cx="10403244" cy="2890535"/>
           </a:xfrm>
           <a:prstGeom prst="rect">
             <a:avLst/>
@@ -15256,6 +15328,26 @@
             </a:r>
           </a:p>
           <a:p>
+            <a:pPr marL="469900" indent="-457200">
+              <a:spcBef>
+                <a:spcPts val="100"/>
+              </a:spcBef>
+              <a:buSzPct val="75000"/>
+              <a:buFont typeface="Wingdings" pitchFamily="2" charset="2"/>
+              <a:buChar char="Ø"/>
+              <a:tabLst>
+                <a:tab pos="354965" algn="l"/>
+                <a:tab pos="355600" algn="l"/>
+              </a:tabLst>
+            </a:pPr>
+            <a:r>
+              <a:rPr lang="en-GB" sz="2600" b="1" spc="-5" dirty="0">
+                <a:cs typeface="Calibri"/>
+              </a:rPr>
+              <a:t>Voting:</a:t>
+            </a:r>
+          </a:p>
+          <a:p>
             <a:pPr marL="927100" lvl="1" indent="-457200">
               <a:spcBef>
                 <a:spcPts val="100"/>
@@ -15272,7 +15364,7 @@
               <a:rPr lang="en-GB" sz="2600" spc="-5" dirty="0">
                 <a:cs typeface="Calibri"/>
               </a:rPr>
-              <a:t>Weighted majority voting</a:t>
+              <a:t>Base learner’s voting strategy</a:t>
             </a:r>
           </a:p>
           <a:p>
@@ -17604,8 +17696,8 @@
             </mc:Fallback>
           </mc:AlternateContent>
         </p:grpSp>
-        <mc:AlternateContent xmlns:mc="http://schemas.openxmlformats.org/markup-compatibility/2006">
-          <mc:Choice xmlns:p14="http://schemas.microsoft.com/office/powerpoint/2010/main" Requires="p14">
+        <mc:AlternateContent xmlns:mc="http://schemas.openxmlformats.org/markup-compatibility/2006" xmlns:p14="http://schemas.microsoft.com/office/powerpoint/2010/main">
+          <mc:Choice Requires="p14">
             <p:contentPart p14:bwMode="auto" r:id="rId20">
               <p14:nvContentPartPr>
                 <p14:cNvPr id="28" name="Ink 42">
@@ -17624,7 +17716,7 @@
               </p14:xfrm>
             </p:contentPart>
           </mc:Choice>
-          <mc:Fallback>
+          <mc:Fallback xmlns="">
             <p:pic>
               <p:nvPicPr>
                 <p:cNvPr id="28" name="Ink 42">
@@ -17655,8 +17747,8 @@
             </p:pic>
           </mc:Fallback>
         </mc:AlternateContent>
-        <mc:AlternateContent xmlns:mc="http://schemas.openxmlformats.org/markup-compatibility/2006">
-          <mc:Choice xmlns:p14="http://schemas.microsoft.com/office/powerpoint/2010/main" Requires="p14">
+        <mc:AlternateContent xmlns:mc="http://schemas.openxmlformats.org/markup-compatibility/2006" xmlns:p14="http://schemas.microsoft.com/office/powerpoint/2010/main">
+          <mc:Choice Requires="p14">
             <p:contentPart p14:bwMode="auto" r:id="rId22">
               <p14:nvContentPartPr>
                 <p14:cNvPr id="29" name="Ink 45">
@@ -17675,7 +17767,7 @@
               </p14:xfrm>
             </p:contentPart>
           </mc:Choice>
-          <mc:Fallback>
+          <mc:Fallback xmlns="">
             <p:pic>
               <p:nvPicPr>
                 <p:cNvPr id="29" name="Ink 45">
@@ -17829,8 +17921,8 @@
             </mc:Fallback>
           </mc:AlternateContent>
         </p:grpSp>
-        <mc:AlternateContent xmlns:mc="http://schemas.openxmlformats.org/markup-compatibility/2006">
-          <mc:Choice xmlns:p14="http://schemas.microsoft.com/office/powerpoint/2010/main" Requires="p14">
+        <mc:AlternateContent xmlns:mc="http://schemas.openxmlformats.org/markup-compatibility/2006" xmlns:p14="http://schemas.microsoft.com/office/powerpoint/2010/main">
+          <mc:Choice Requires="p14">
             <p:contentPart p14:bwMode="auto" r:id="rId28">
               <p14:nvContentPartPr>
                 <p14:cNvPr id="33" name="Ink 50">
@@ -17849,7 +17941,7 @@
               </p14:xfrm>
             </p:contentPart>
           </mc:Choice>
-          <mc:Fallback>
+          <mc:Fallback xmlns="">
             <p:pic>
               <p:nvPicPr>
                 <p:cNvPr id="33" name="Ink 50">
@@ -17880,8 +17972,8 @@
             </p:pic>
           </mc:Fallback>
         </mc:AlternateContent>
-        <mc:AlternateContent xmlns:mc="http://schemas.openxmlformats.org/markup-compatibility/2006">
-          <mc:Choice xmlns:p14="http://schemas.microsoft.com/office/powerpoint/2010/main" Requires="p14">
+        <mc:AlternateContent xmlns:mc="http://schemas.openxmlformats.org/markup-compatibility/2006" xmlns:p14="http://schemas.microsoft.com/office/powerpoint/2010/main">
+          <mc:Choice Requires="p14">
             <p:contentPart p14:bwMode="auto" r:id="rId30">
               <p14:nvContentPartPr>
                 <p14:cNvPr id="34" name="Ink 53">
@@ -17900,7 +17992,7 @@
               </p14:xfrm>
             </p:contentPart>
           </mc:Choice>
-          <mc:Fallback>
+          <mc:Fallback xmlns="">
             <p:pic>
               <p:nvPicPr>
                 <p:cNvPr id="34" name="Ink 53">

--- a/lectures/12_SML_predicting-data-streams/12_2_Ensemble_Classification.pptx
+++ b/lectures/12_SML_predicting-data-streams/12_2_Ensemble_Classification.pptx
@@ -613,7 +613,7 @@
           <a:p>
             <a:fld id="{CC7A41CC-C61C-2F43-A643-7ED1F9C31B07}" type="datetimeFigureOut">
               <a:rPr lang="it-IT" smtClean="0"/>
-              <a:t>21/11/23</a:t>
+              <a:t>29/11/23</a:t>
             </a:fld>
             <a:endParaRPr lang="it-IT" dirty="0"/>
           </a:p>
@@ -16797,7 +16797,7 @@
         </p:nvGrpSpPr>
         <p:grpSpPr>
           <a:xfrm>
-            <a:off x="3245255" y="1394053"/>
+            <a:off x="2654241" y="1394053"/>
             <a:ext cx="5701487" cy="4962297"/>
             <a:chOff x="2497018" y="1394015"/>
             <a:chExt cx="5701487" cy="4962297"/>
@@ -18265,7 +18265,31 @@
               <a:rPr lang="en-GB" sz="2400" spc="-5" dirty="0">
                 <a:cs typeface="Calibri"/>
               </a:rPr>
-              <a:t>When a model is less complex, it ignores relevant information, and error due to bias is high. As the model becomes more complex, error due to bias decreases.</a:t>
+              <a:t>When a model is less complex, it ignores relevant information, and error due to </a:t>
+            </a:r>
+            <a:r>
+              <a:rPr lang="en-GB" sz="2400" b="1" spc="-5" dirty="0">
+                <a:cs typeface="Calibri"/>
+              </a:rPr>
+              <a:t>bias</a:t>
+            </a:r>
+            <a:r>
+              <a:rPr lang="en-GB" sz="2400" spc="-5" dirty="0">
+                <a:cs typeface="Calibri"/>
+              </a:rPr>
+              <a:t> is high. As the model becomes more complex, error due to </a:t>
+            </a:r>
+            <a:r>
+              <a:rPr lang="en-GB" sz="2400" b="1" spc="-5" dirty="0">
+                <a:cs typeface="Calibri"/>
+              </a:rPr>
+              <a:t>bias</a:t>
+            </a:r>
+            <a:r>
+              <a:rPr lang="en-GB" sz="2400" spc="-5" dirty="0">
+                <a:cs typeface="Calibri"/>
+              </a:rPr>
+              <a:t> decreases.</a:t>
             </a:r>
           </a:p>
         </p:txBody>
@@ -18583,7 +18607,31 @@
               <a:rPr lang="en-GB" sz="2400" spc="-5" dirty="0">
                 <a:cs typeface="Calibri"/>
               </a:rPr>
-              <a:t>On the other hand, when a model is less complex, error due to variance il low. Error due to variance increases as complexity increases.</a:t>
+              <a:t>On the other hand, when a model is less complex, error due to </a:t>
+            </a:r>
+            <a:r>
+              <a:rPr lang="en-GB" sz="2400" b="1" spc="-5" dirty="0">
+                <a:cs typeface="Calibri"/>
+              </a:rPr>
+              <a:t>variance</a:t>
+            </a:r>
+            <a:r>
+              <a:rPr lang="en-GB" sz="2400" spc="-5" dirty="0">
+                <a:cs typeface="Calibri"/>
+              </a:rPr>
+              <a:t> is low. Error due to </a:t>
+            </a:r>
+            <a:r>
+              <a:rPr lang="en-GB" sz="2400" b="1" spc="-5" dirty="0">
+                <a:cs typeface="Calibri"/>
+              </a:rPr>
+              <a:t>variance</a:t>
+            </a:r>
+            <a:r>
+              <a:rPr lang="en-GB" sz="2400" spc="-5" dirty="0">
+                <a:cs typeface="Calibri"/>
+              </a:rPr>
+              <a:t> increases as complexity increases, i.e. overfitting.</a:t>
             </a:r>
           </a:p>
         </p:txBody>
@@ -18894,7 +18942,31 @@
               <a:rPr lang="en-GB" sz="2400" spc="-5" dirty="0">
                 <a:cs typeface="Calibri"/>
               </a:rPr>
-              <a:t>Overall model error is a function error due to bias and variance. The ideal model minimized error from each.</a:t>
+              <a:t>Overall model error is a function error due to </a:t>
+            </a:r>
+            <a:r>
+              <a:rPr lang="en-GB" sz="2400" b="1" spc="-5" dirty="0">
+                <a:cs typeface="Calibri"/>
+              </a:rPr>
+              <a:t>bias</a:t>
+            </a:r>
+            <a:r>
+              <a:rPr lang="en-GB" sz="2400" spc="-5" dirty="0">
+                <a:cs typeface="Calibri"/>
+              </a:rPr>
+              <a:t> and </a:t>
+            </a:r>
+            <a:r>
+              <a:rPr lang="en-GB" sz="2400" b="1" spc="-5" dirty="0">
+                <a:cs typeface="Calibri"/>
+              </a:rPr>
+              <a:t>variance</a:t>
+            </a:r>
+            <a:r>
+              <a:rPr lang="en-GB" sz="2400" spc="-5" dirty="0">
+                <a:cs typeface="Calibri"/>
+              </a:rPr>
+              <a:t>. The ideal model minimized error from each.</a:t>
             </a:r>
           </a:p>
         </p:txBody>
